--- a/Chapter_4/figures/sens_fig_1.pptx
+++ b/Chapter_4/figures/sens_fig_1.pptx
@@ -104,6 +104,11 @@
       </a:defRPr>
     </a:lvl9pPr>
   </p:defaultTextStyle>
+  <p:extLst>
+    <p:ext uri="{EFAFB233-063F-42B5-8137-9DF3F51BA10A}">
+      <p15:sldGuideLst xmlns:p15="http://schemas.microsoft.com/office/powerpoint/2012/main"/>
+    </p:ext>
+  </p:extLst>
 </p:presentation>
 </file>
 
@@ -490,7 +495,7 @@
           <a:p>
             <a:fld id="{17435DF9-4944-9A4F-B000-53E175030763}" type="datetimeFigureOut">
               <a:rPr lang="en-US" smtClean="0"/>
-              <a:t>3/18/24</a:t>
+              <a:t>3/24/24</a:t>
             </a:fld>
             <a:endParaRPr lang="en-US"/>
           </a:p>
@@ -660,7 +665,7 @@
           <a:p>
             <a:fld id="{17435DF9-4944-9A4F-B000-53E175030763}" type="datetimeFigureOut">
               <a:rPr lang="en-US" smtClean="0"/>
-              <a:t>3/18/24</a:t>
+              <a:t>3/24/24</a:t>
             </a:fld>
             <a:endParaRPr lang="en-US"/>
           </a:p>
@@ -840,7 +845,7 @@
           <a:p>
             <a:fld id="{17435DF9-4944-9A4F-B000-53E175030763}" type="datetimeFigureOut">
               <a:rPr lang="en-US" smtClean="0"/>
-              <a:t>3/18/24</a:t>
+              <a:t>3/24/24</a:t>
             </a:fld>
             <a:endParaRPr lang="en-US"/>
           </a:p>
@@ -1010,7 +1015,7 @@
           <a:p>
             <a:fld id="{17435DF9-4944-9A4F-B000-53E175030763}" type="datetimeFigureOut">
               <a:rPr lang="en-US" smtClean="0"/>
-              <a:t>3/18/24</a:t>
+              <a:t>3/24/24</a:t>
             </a:fld>
             <a:endParaRPr lang="en-US"/>
           </a:p>
@@ -1256,7 +1261,7 @@
           <a:p>
             <a:fld id="{17435DF9-4944-9A4F-B000-53E175030763}" type="datetimeFigureOut">
               <a:rPr lang="en-US" smtClean="0"/>
-              <a:t>3/18/24</a:t>
+              <a:t>3/24/24</a:t>
             </a:fld>
             <a:endParaRPr lang="en-US"/>
           </a:p>
@@ -1488,7 +1493,7 @@
           <a:p>
             <a:fld id="{17435DF9-4944-9A4F-B000-53E175030763}" type="datetimeFigureOut">
               <a:rPr lang="en-US" smtClean="0"/>
-              <a:t>3/18/24</a:t>
+              <a:t>3/24/24</a:t>
             </a:fld>
             <a:endParaRPr lang="en-US"/>
           </a:p>
@@ -1855,7 +1860,7 @@
           <a:p>
             <a:fld id="{17435DF9-4944-9A4F-B000-53E175030763}" type="datetimeFigureOut">
               <a:rPr lang="en-US" smtClean="0"/>
-              <a:t>3/18/24</a:t>
+              <a:t>3/24/24</a:t>
             </a:fld>
             <a:endParaRPr lang="en-US"/>
           </a:p>
@@ -1973,7 +1978,7 @@
           <a:p>
             <a:fld id="{17435DF9-4944-9A4F-B000-53E175030763}" type="datetimeFigureOut">
               <a:rPr lang="en-US" smtClean="0"/>
-              <a:t>3/18/24</a:t>
+              <a:t>3/24/24</a:t>
             </a:fld>
             <a:endParaRPr lang="en-US"/>
           </a:p>
@@ -2068,7 +2073,7 @@
           <a:p>
             <a:fld id="{17435DF9-4944-9A4F-B000-53E175030763}" type="datetimeFigureOut">
               <a:rPr lang="en-US" smtClean="0"/>
-              <a:t>3/18/24</a:t>
+              <a:t>3/24/24</a:t>
             </a:fld>
             <a:endParaRPr lang="en-US"/>
           </a:p>
@@ -2345,7 +2350,7 @@
           <a:p>
             <a:fld id="{17435DF9-4944-9A4F-B000-53E175030763}" type="datetimeFigureOut">
               <a:rPr lang="en-US" smtClean="0"/>
-              <a:t>3/18/24</a:t>
+              <a:t>3/24/24</a:t>
             </a:fld>
             <a:endParaRPr lang="en-US"/>
           </a:p>
@@ -2602,7 +2607,7 @@
           <a:p>
             <a:fld id="{17435DF9-4944-9A4F-B000-53E175030763}" type="datetimeFigureOut">
               <a:rPr lang="en-US" smtClean="0"/>
-              <a:t>3/18/24</a:t>
+              <a:t>3/24/24</a:t>
             </a:fld>
             <a:endParaRPr lang="en-US"/>
           </a:p>
@@ -2815,7 +2820,7 @@
           <a:p>
             <a:fld id="{17435DF9-4944-9A4F-B000-53E175030763}" type="datetimeFigureOut">
               <a:rPr lang="en-US" smtClean="0"/>
-              <a:t>3/18/24</a:t>
+              <a:t>3/24/24</a:t>
             </a:fld>
             <a:endParaRPr lang="en-US"/>
           </a:p>
@@ -3340,8 +3345,8 @@
           </a:prstGeom>
         </p:spPr>
       </p:pic>
-      <mc:AlternateContent xmlns:mc="http://schemas.openxmlformats.org/markup-compatibility/2006">
-        <mc:Choice xmlns:p14="http://schemas.microsoft.com/office/powerpoint/2010/main" Requires="p14">
+      <mc:AlternateContent xmlns:mc="http://schemas.openxmlformats.org/markup-compatibility/2006" xmlns:p14="http://schemas.microsoft.com/office/powerpoint/2010/main">
+        <mc:Choice Requires="p14">
           <p:contentPart p14:bwMode="auto" r:id="rId6">
             <p14:nvContentPartPr>
               <p14:cNvPr id="14" name="Ink 13">
@@ -3360,7 +3365,7 @@
             </p14:xfrm>
           </p:contentPart>
         </mc:Choice>
-        <mc:Fallback>
+        <mc:Fallback xmlns="">
           <p:pic>
             <p:nvPicPr>
               <p:cNvPr id="14" name="Ink 13">
@@ -3391,8 +3396,8 @@
           </p:pic>
         </mc:Fallback>
       </mc:AlternateContent>
-      <mc:AlternateContent xmlns:mc="http://schemas.openxmlformats.org/markup-compatibility/2006">
-        <mc:Choice xmlns:p14="http://schemas.microsoft.com/office/powerpoint/2010/main" Requires="p14">
+      <mc:AlternateContent xmlns:mc="http://schemas.openxmlformats.org/markup-compatibility/2006" xmlns:p14="http://schemas.microsoft.com/office/powerpoint/2010/main">
+        <mc:Choice Requires="p14">
           <p:contentPart p14:bwMode="auto" r:id="rId8">
             <p14:nvContentPartPr>
               <p14:cNvPr id="15" name="Ink 14">
@@ -3411,7 +3416,7 @@
             </p14:xfrm>
           </p:contentPart>
         </mc:Choice>
-        <mc:Fallback>
+        <mc:Fallback xmlns="">
           <p:pic>
             <p:nvPicPr>
               <p:cNvPr id="15" name="Ink 14">
@@ -3442,8 +3447,8 @@
           </p:pic>
         </mc:Fallback>
       </mc:AlternateContent>
-      <mc:AlternateContent xmlns:mc="http://schemas.openxmlformats.org/markup-compatibility/2006">
-        <mc:Choice xmlns:p14="http://schemas.microsoft.com/office/powerpoint/2010/main" Requires="p14">
+      <mc:AlternateContent xmlns:mc="http://schemas.openxmlformats.org/markup-compatibility/2006" xmlns:p14="http://schemas.microsoft.com/office/powerpoint/2010/main">
+        <mc:Choice Requires="p14">
           <p:contentPart p14:bwMode="auto" r:id="rId10">
             <p14:nvContentPartPr>
               <p14:cNvPr id="16" name="Ink 15">
@@ -3462,7 +3467,7 @@
             </p14:xfrm>
           </p:contentPart>
         </mc:Choice>
-        <mc:Fallback>
+        <mc:Fallback xmlns="">
           <p:pic>
             <p:nvPicPr>
               <p:cNvPr id="16" name="Ink 15">
@@ -3493,8 +3498,8 @@
           </p:pic>
         </mc:Fallback>
       </mc:AlternateContent>
-      <mc:AlternateContent xmlns:mc="http://schemas.openxmlformats.org/markup-compatibility/2006">
-        <mc:Choice xmlns:p14="http://schemas.microsoft.com/office/powerpoint/2010/main" Requires="p14">
+      <mc:AlternateContent xmlns:mc="http://schemas.openxmlformats.org/markup-compatibility/2006" xmlns:p14="http://schemas.microsoft.com/office/powerpoint/2010/main">
+        <mc:Choice Requires="p14">
           <p:contentPart p14:bwMode="auto" r:id="rId12">
             <p14:nvContentPartPr>
               <p14:cNvPr id="17" name="Ink 16">
@@ -3513,7 +3518,7 @@
             </p14:xfrm>
           </p:contentPart>
         </mc:Choice>
-        <mc:Fallback>
+        <mc:Fallback xmlns="">
           <p:pic>
             <p:nvPicPr>
               <p:cNvPr id="17" name="Ink 16">
@@ -3544,8 +3549,8 @@
           </p:pic>
         </mc:Fallback>
       </mc:AlternateContent>
-      <mc:AlternateContent xmlns:mc="http://schemas.openxmlformats.org/markup-compatibility/2006">
-        <mc:Choice xmlns:p14="http://schemas.microsoft.com/office/powerpoint/2010/main" Requires="p14">
+      <mc:AlternateContent xmlns:mc="http://schemas.openxmlformats.org/markup-compatibility/2006" xmlns:p14="http://schemas.microsoft.com/office/powerpoint/2010/main">
+        <mc:Choice Requires="p14">
           <p:contentPart p14:bwMode="auto" r:id="rId14">
             <p14:nvContentPartPr>
               <p14:cNvPr id="18" name="Ink 17">
@@ -3564,7 +3569,7 @@
             </p14:xfrm>
           </p:contentPart>
         </mc:Choice>
-        <mc:Fallback>
+        <mc:Fallback xmlns="">
           <p:pic>
             <p:nvPicPr>
               <p:cNvPr id="18" name="Ink 17">
@@ -3595,8 +3600,8 @@
           </p:pic>
         </mc:Fallback>
       </mc:AlternateContent>
-      <mc:AlternateContent xmlns:mc="http://schemas.openxmlformats.org/markup-compatibility/2006">
-        <mc:Choice xmlns:p14="http://schemas.microsoft.com/office/powerpoint/2010/main" Requires="p14">
+      <mc:AlternateContent xmlns:mc="http://schemas.openxmlformats.org/markup-compatibility/2006" xmlns:p14="http://schemas.microsoft.com/office/powerpoint/2010/main">
+        <mc:Choice Requires="p14">
           <p:contentPart p14:bwMode="auto" r:id="rId16">
             <p14:nvContentPartPr>
               <p14:cNvPr id="19" name="Ink 18">
@@ -3615,7 +3620,7 @@
             </p14:xfrm>
           </p:contentPart>
         </mc:Choice>
-        <mc:Fallback>
+        <mc:Fallback xmlns="">
           <p:pic>
             <p:nvPicPr>
               <p:cNvPr id="19" name="Ink 18">
@@ -3646,8 +3651,8 @@
           </p:pic>
         </mc:Fallback>
       </mc:AlternateContent>
-      <mc:AlternateContent xmlns:mc="http://schemas.openxmlformats.org/markup-compatibility/2006">
-        <mc:Choice xmlns:p14="http://schemas.microsoft.com/office/powerpoint/2010/main" Requires="p14">
+      <mc:AlternateContent xmlns:mc="http://schemas.openxmlformats.org/markup-compatibility/2006" xmlns:p14="http://schemas.microsoft.com/office/powerpoint/2010/main">
+        <mc:Choice Requires="p14">
           <p:contentPart p14:bwMode="auto" r:id="rId18">
             <p14:nvContentPartPr>
               <p14:cNvPr id="20" name="Ink 19">
@@ -3666,7 +3671,7 @@
             </p14:xfrm>
           </p:contentPart>
         </mc:Choice>
-        <mc:Fallback>
+        <mc:Fallback xmlns="">
           <p:pic>
             <p:nvPicPr>
               <p:cNvPr id="20" name="Ink 19">
@@ -3697,8 +3702,8 @@
           </p:pic>
         </mc:Fallback>
       </mc:AlternateContent>
-      <mc:AlternateContent xmlns:mc="http://schemas.openxmlformats.org/markup-compatibility/2006">
-        <mc:Choice xmlns:p14="http://schemas.microsoft.com/office/powerpoint/2010/main" Requires="p14">
+      <mc:AlternateContent xmlns:mc="http://schemas.openxmlformats.org/markup-compatibility/2006" xmlns:p14="http://schemas.microsoft.com/office/powerpoint/2010/main">
+        <mc:Choice Requires="p14">
           <p:contentPart p14:bwMode="auto" r:id="rId20">
             <p14:nvContentPartPr>
               <p14:cNvPr id="21" name="Ink 20">
@@ -3717,7 +3722,7 @@
             </p14:xfrm>
           </p:contentPart>
         </mc:Choice>
-        <mc:Fallback>
+        <mc:Fallback xmlns="">
           <p:pic>
             <p:nvPicPr>
               <p:cNvPr id="21" name="Ink 20">
@@ -3748,8 +3753,8 @@
           </p:pic>
         </mc:Fallback>
       </mc:AlternateContent>
-      <mc:AlternateContent xmlns:mc="http://schemas.openxmlformats.org/markup-compatibility/2006">
-        <mc:Choice xmlns:p14="http://schemas.microsoft.com/office/powerpoint/2010/main" Requires="p14">
+      <mc:AlternateContent xmlns:mc="http://schemas.openxmlformats.org/markup-compatibility/2006" xmlns:p14="http://schemas.microsoft.com/office/powerpoint/2010/main">
+        <mc:Choice Requires="p14">
           <p:contentPart p14:bwMode="auto" r:id="rId22">
             <p14:nvContentPartPr>
               <p14:cNvPr id="22" name="Ink 21">
@@ -3768,7 +3773,7 @@
             </p14:xfrm>
           </p:contentPart>
         </mc:Choice>
-        <mc:Fallback>
+        <mc:Fallback xmlns="">
           <p:pic>
             <p:nvPicPr>
               <p:cNvPr id="22" name="Ink 21">
@@ -3929,8 +3934,8 @@
         </p:nvSpPr>
         <p:spPr>
           <a:xfrm>
-            <a:off x="1215020" y="296739"/>
-            <a:ext cx="287258" cy="369332"/>
+            <a:off x="562962" y="249331"/>
+            <a:ext cx="1221681" cy="369332"/>
           </a:xfrm>
           <a:prstGeom prst="rect">
             <a:avLst/>
@@ -3945,7 +3950,7 @@
           <a:p>
             <a:r>
               <a:rPr lang="en-US" dirty="0"/>
-              <a:t>x</a:t>
+              <a:t>advantage</a:t>
             </a:r>
           </a:p>
         </p:txBody>
@@ -3963,9 +3968,9 @@
           <p:nvPr/>
         </p:nvSpPr>
         <p:spPr>
-          <a:xfrm>
-            <a:off x="444975" y="1065545"/>
-            <a:ext cx="287258" cy="369332"/>
+          <a:xfrm rot="16200000">
+            <a:off x="-16087" y="855028"/>
+            <a:ext cx="1043427" cy="369332"/>
           </a:xfrm>
           <a:prstGeom prst="rect">
             <a:avLst/>
@@ -3980,7 +3985,7 @@
           <a:p>
             <a:r>
               <a:rPr lang="en-US" dirty="0"/>
-              <a:t>y</a:t>
+              <a:t>flip rates</a:t>
             </a:r>
           </a:p>
         </p:txBody>
